--- a/prezentace/schrek_bp.pptx
+++ b/prezentace/schrek_bp.pptx
@@ -4,15 +4,20 @@
   <p:sldMasterIdLst>
     <p:sldMasterId id="2147483696" r:id="rId1"/>
   </p:sldMasterIdLst>
+  <p:notesMasterIdLst>
+    <p:notesMasterId r:id="rId12"/>
+  </p:notesMasterIdLst>
   <p:sldIdLst>
     <p:sldId id="256" r:id="rId2"/>
-    <p:sldId id="257" r:id="rId3"/>
-    <p:sldId id="260" r:id="rId4"/>
-    <p:sldId id="258" r:id="rId5"/>
-    <p:sldId id="259" r:id="rId6"/>
-    <p:sldId id="261" r:id="rId7"/>
-    <p:sldId id="262" r:id="rId8"/>
-    <p:sldId id="263" r:id="rId9"/>
+    <p:sldId id="265" r:id="rId3"/>
+    <p:sldId id="264" r:id="rId4"/>
+    <p:sldId id="260" r:id="rId5"/>
+    <p:sldId id="266" r:id="rId6"/>
+    <p:sldId id="258" r:id="rId7"/>
+    <p:sldId id="259" r:id="rId8"/>
+    <p:sldId id="261" r:id="rId9"/>
+    <p:sldId id="262" r:id="rId10"/>
+    <p:sldId id="263" r:id="rId11"/>
   </p:sldIdLst>
   <p:sldSz cx="12192000" cy="6858000"/>
   <p:notesSz cx="6858000" cy="9144000"/>
@@ -111,7 +116,455 @@
       </a:defRPr>
     </a:lvl9pPr>
   </p:defaultTextStyle>
+  <p:extLst>
+    <p:ext uri="{EFAFB233-063F-42B5-8137-9DF3F51BA10A}">
+      <p15:sldGuideLst xmlns:p15="http://schemas.microsoft.com/office/powerpoint/2012/main"/>
+    </p:ext>
+  </p:extLst>
 </p:presentation>
+</file>
+
+<file path=ppt/notesMasters/notesMaster1.xml><?xml version="1.0" encoding="utf-8"?>
+<p:notesMaster xmlns:a="http://schemas.openxmlformats.org/drawingml/2006/main" xmlns:r="http://schemas.openxmlformats.org/officeDocument/2006/relationships" xmlns:p="http://schemas.openxmlformats.org/presentationml/2006/main">
+  <p:cSld>
+    <p:bg>
+      <p:bgRef idx="1001">
+        <a:schemeClr val="bg1"/>
+      </p:bgRef>
+    </p:bg>
+    <p:spTree>
+      <p:nvGrpSpPr>
+        <p:cNvPr id="1" name=""/>
+        <p:cNvGrpSpPr/>
+        <p:nvPr/>
+      </p:nvGrpSpPr>
+      <p:grpSpPr>
+        <a:xfrm>
+          <a:off x="0" y="0"/>
+          <a:ext cx="0" cy="0"/>
+          <a:chOff x="0" y="0"/>
+          <a:chExt cx="0" cy="0"/>
+        </a:xfrm>
+      </p:grpSpPr>
+      <p:sp>
+        <p:nvSpPr>
+          <p:cNvPr id="2" name="Zástupný symbol pro záhlaví 1"/>
+          <p:cNvSpPr>
+            <a:spLocks noGrp="1"/>
+          </p:cNvSpPr>
+          <p:nvPr>
+            <p:ph type="hdr" sz="quarter"/>
+          </p:nvPr>
+        </p:nvSpPr>
+        <p:spPr>
+          <a:xfrm>
+            <a:off x="0" y="0"/>
+            <a:ext cx="2971800" cy="458788"/>
+          </a:xfrm>
+          <a:prstGeom prst="rect">
+            <a:avLst/>
+          </a:prstGeom>
+        </p:spPr>
+        <p:txBody>
+          <a:bodyPr vert="horz" lIns="91440" tIns="45720" rIns="91440" bIns="45720" rtlCol="0"/>
+          <a:lstStyle>
+            <a:lvl1pPr algn="l">
+              <a:defRPr sz="1200"/>
+            </a:lvl1pPr>
+          </a:lstStyle>
+          <a:p>
+            <a:endParaRPr lang="cs-CZ"/>
+          </a:p>
+        </p:txBody>
+      </p:sp>
+      <p:sp>
+        <p:nvSpPr>
+          <p:cNvPr id="3" name="Zástupný symbol pro datum 2"/>
+          <p:cNvSpPr>
+            <a:spLocks noGrp="1"/>
+          </p:cNvSpPr>
+          <p:nvPr>
+            <p:ph type="dt" idx="1"/>
+          </p:nvPr>
+        </p:nvSpPr>
+        <p:spPr>
+          <a:xfrm>
+            <a:off x="3884613" y="0"/>
+            <a:ext cx="2971800" cy="458788"/>
+          </a:xfrm>
+          <a:prstGeom prst="rect">
+            <a:avLst/>
+          </a:prstGeom>
+        </p:spPr>
+        <p:txBody>
+          <a:bodyPr vert="horz" lIns="91440" tIns="45720" rIns="91440" bIns="45720" rtlCol="0"/>
+          <a:lstStyle>
+            <a:lvl1pPr algn="r">
+              <a:defRPr sz="1200"/>
+            </a:lvl1pPr>
+          </a:lstStyle>
+          <a:p>
+            <a:fld id="{17D5CEFB-F1E3-42DA-815E-3F7338A8C34E}" type="datetimeFigureOut">
+              <a:rPr lang="cs-CZ" smtClean="0"/>
+              <a:t>11.06.2017</a:t>
+            </a:fld>
+            <a:endParaRPr lang="cs-CZ"/>
+          </a:p>
+        </p:txBody>
+      </p:sp>
+      <p:sp>
+        <p:nvSpPr>
+          <p:cNvPr id="4" name="Zástupný symbol pro obrázek snímku 3"/>
+          <p:cNvSpPr>
+            <a:spLocks noGrp="1" noRot="1" noChangeAspect="1"/>
+          </p:cNvSpPr>
+          <p:nvPr>
+            <p:ph type="sldImg" idx="2"/>
+          </p:nvPr>
+        </p:nvSpPr>
+        <p:spPr>
+          <a:xfrm>
+            <a:off x="685800" y="1143000"/>
+            <a:ext cx="5486400" cy="3086100"/>
+          </a:xfrm>
+          <a:prstGeom prst="rect">
+            <a:avLst/>
+          </a:prstGeom>
+          <a:noFill/>
+          <a:ln w="12700">
+            <a:solidFill>
+              <a:prstClr val="black"/>
+            </a:solidFill>
+          </a:ln>
+        </p:spPr>
+        <p:txBody>
+          <a:bodyPr vert="horz" lIns="91440" tIns="45720" rIns="91440" bIns="45720" rtlCol="0" anchor="ctr"/>
+          <a:lstStyle/>
+          <a:p>
+            <a:endParaRPr lang="cs-CZ"/>
+          </a:p>
+        </p:txBody>
+      </p:sp>
+      <p:sp>
+        <p:nvSpPr>
+          <p:cNvPr id="5" name="Zástupný symbol pro poznámky 4"/>
+          <p:cNvSpPr>
+            <a:spLocks noGrp="1"/>
+          </p:cNvSpPr>
+          <p:nvPr>
+            <p:ph type="body" sz="quarter" idx="3"/>
+          </p:nvPr>
+        </p:nvSpPr>
+        <p:spPr>
+          <a:xfrm>
+            <a:off x="685800" y="4400550"/>
+            <a:ext cx="5486400" cy="3600450"/>
+          </a:xfrm>
+          <a:prstGeom prst="rect">
+            <a:avLst/>
+          </a:prstGeom>
+        </p:spPr>
+        <p:txBody>
+          <a:bodyPr vert="horz" lIns="91440" tIns="45720" rIns="91440" bIns="45720" rtlCol="0"/>
+          <a:lstStyle/>
+          <a:p>
+            <a:pPr lvl="0"/>
+            <a:r>
+              <a:rPr lang="cs-CZ" smtClean="0"/>
+              <a:t>Kliknutím lze upravit styly předlohy textu.</a:t>
+            </a:r>
+          </a:p>
+          <a:p>
+            <a:pPr lvl="1"/>
+            <a:r>
+              <a:rPr lang="cs-CZ" smtClean="0"/>
+              <a:t>Druhá úroveň</a:t>
+            </a:r>
+          </a:p>
+          <a:p>
+            <a:pPr lvl="2"/>
+            <a:r>
+              <a:rPr lang="cs-CZ" smtClean="0"/>
+              <a:t>Třetí úroveň</a:t>
+            </a:r>
+          </a:p>
+          <a:p>
+            <a:pPr lvl="3"/>
+            <a:r>
+              <a:rPr lang="cs-CZ" smtClean="0"/>
+              <a:t>Čtvrtá úroveň</a:t>
+            </a:r>
+          </a:p>
+          <a:p>
+            <a:pPr lvl="4"/>
+            <a:r>
+              <a:rPr lang="cs-CZ" smtClean="0"/>
+              <a:t>Pátá úroveň</a:t>
+            </a:r>
+            <a:endParaRPr lang="cs-CZ"/>
+          </a:p>
+        </p:txBody>
+      </p:sp>
+      <p:sp>
+        <p:nvSpPr>
+          <p:cNvPr id="6" name="Zástupný symbol pro zápatí 5"/>
+          <p:cNvSpPr>
+            <a:spLocks noGrp="1"/>
+          </p:cNvSpPr>
+          <p:nvPr>
+            <p:ph type="ftr" sz="quarter" idx="4"/>
+          </p:nvPr>
+        </p:nvSpPr>
+        <p:spPr>
+          <a:xfrm>
+            <a:off x="0" y="8685213"/>
+            <a:ext cx="2971800" cy="458787"/>
+          </a:xfrm>
+          <a:prstGeom prst="rect">
+            <a:avLst/>
+          </a:prstGeom>
+        </p:spPr>
+        <p:txBody>
+          <a:bodyPr vert="horz" lIns="91440" tIns="45720" rIns="91440" bIns="45720" rtlCol="0" anchor="b"/>
+          <a:lstStyle>
+            <a:lvl1pPr algn="l">
+              <a:defRPr sz="1200"/>
+            </a:lvl1pPr>
+          </a:lstStyle>
+          <a:p>
+            <a:endParaRPr lang="cs-CZ"/>
+          </a:p>
+        </p:txBody>
+      </p:sp>
+      <p:sp>
+        <p:nvSpPr>
+          <p:cNvPr id="7" name="Zástupný symbol pro číslo snímku 6"/>
+          <p:cNvSpPr>
+            <a:spLocks noGrp="1"/>
+          </p:cNvSpPr>
+          <p:nvPr>
+            <p:ph type="sldNum" sz="quarter" idx="5"/>
+          </p:nvPr>
+        </p:nvSpPr>
+        <p:spPr>
+          <a:xfrm>
+            <a:off x="3884613" y="8685213"/>
+            <a:ext cx="2971800" cy="458787"/>
+          </a:xfrm>
+          <a:prstGeom prst="rect">
+            <a:avLst/>
+          </a:prstGeom>
+        </p:spPr>
+        <p:txBody>
+          <a:bodyPr vert="horz" lIns="91440" tIns="45720" rIns="91440" bIns="45720" rtlCol="0" anchor="b"/>
+          <a:lstStyle>
+            <a:lvl1pPr algn="r">
+              <a:defRPr sz="1200"/>
+            </a:lvl1pPr>
+          </a:lstStyle>
+          <a:p>
+            <a:fld id="{3484BC17-34C4-4C69-B21E-368828D2F4E5}" type="slidenum">
+              <a:rPr lang="cs-CZ" smtClean="0"/>
+              <a:t>‹#›</a:t>
+            </a:fld>
+            <a:endParaRPr lang="cs-CZ"/>
+          </a:p>
+        </p:txBody>
+      </p:sp>
+    </p:spTree>
+    <p:extLst>
+      <p:ext uri="{BB962C8B-B14F-4D97-AF65-F5344CB8AC3E}">
+        <p14:creationId xmlns:p14="http://schemas.microsoft.com/office/powerpoint/2010/main" val="522432642"/>
+      </p:ext>
+    </p:extLst>
+  </p:cSld>
+  <p:clrMap bg1="lt1" tx1="dk1" bg2="lt2" tx2="dk2" accent1="accent1" accent2="accent2" accent3="accent3" accent4="accent4" accent5="accent5" accent6="accent6" hlink="hlink" folHlink="folHlink"/>
+  <p:notesStyle>
+    <a:lvl1pPr marL="0" algn="l" defTabSz="914400" rtl="0" eaLnBrk="1" latinLnBrk="0" hangingPunct="1">
+      <a:defRPr sz="1200" kern="1200">
+        <a:solidFill>
+          <a:schemeClr val="tx1"/>
+        </a:solidFill>
+        <a:latin typeface="+mn-lt"/>
+        <a:ea typeface="+mn-ea"/>
+        <a:cs typeface="+mn-cs"/>
+      </a:defRPr>
+    </a:lvl1pPr>
+    <a:lvl2pPr marL="457200" algn="l" defTabSz="914400" rtl="0" eaLnBrk="1" latinLnBrk="0" hangingPunct="1">
+      <a:defRPr sz="1200" kern="1200">
+        <a:solidFill>
+          <a:schemeClr val="tx1"/>
+        </a:solidFill>
+        <a:latin typeface="+mn-lt"/>
+        <a:ea typeface="+mn-ea"/>
+        <a:cs typeface="+mn-cs"/>
+      </a:defRPr>
+    </a:lvl2pPr>
+    <a:lvl3pPr marL="914400" algn="l" defTabSz="914400" rtl="0" eaLnBrk="1" latinLnBrk="0" hangingPunct="1">
+      <a:defRPr sz="1200" kern="1200">
+        <a:solidFill>
+          <a:schemeClr val="tx1"/>
+        </a:solidFill>
+        <a:latin typeface="+mn-lt"/>
+        <a:ea typeface="+mn-ea"/>
+        <a:cs typeface="+mn-cs"/>
+      </a:defRPr>
+    </a:lvl3pPr>
+    <a:lvl4pPr marL="1371600" algn="l" defTabSz="914400" rtl="0" eaLnBrk="1" latinLnBrk="0" hangingPunct="1">
+      <a:defRPr sz="1200" kern="1200">
+        <a:solidFill>
+          <a:schemeClr val="tx1"/>
+        </a:solidFill>
+        <a:latin typeface="+mn-lt"/>
+        <a:ea typeface="+mn-ea"/>
+        <a:cs typeface="+mn-cs"/>
+      </a:defRPr>
+    </a:lvl4pPr>
+    <a:lvl5pPr marL="1828800" algn="l" defTabSz="914400" rtl="0" eaLnBrk="1" latinLnBrk="0" hangingPunct="1">
+      <a:defRPr sz="1200" kern="1200">
+        <a:solidFill>
+          <a:schemeClr val="tx1"/>
+        </a:solidFill>
+        <a:latin typeface="+mn-lt"/>
+        <a:ea typeface="+mn-ea"/>
+        <a:cs typeface="+mn-cs"/>
+      </a:defRPr>
+    </a:lvl5pPr>
+    <a:lvl6pPr marL="2286000" algn="l" defTabSz="914400" rtl="0" eaLnBrk="1" latinLnBrk="0" hangingPunct="1">
+      <a:defRPr sz="1200" kern="1200">
+        <a:solidFill>
+          <a:schemeClr val="tx1"/>
+        </a:solidFill>
+        <a:latin typeface="+mn-lt"/>
+        <a:ea typeface="+mn-ea"/>
+        <a:cs typeface="+mn-cs"/>
+      </a:defRPr>
+    </a:lvl6pPr>
+    <a:lvl7pPr marL="2743200" algn="l" defTabSz="914400" rtl="0" eaLnBrk="1" latinLnBrk="0" hangingPunct="1">
+      <a:defRPr sz="1200" kern="1200">
+        <a:solidFill>
+          <a:schemeClr val="tx1"/>
+        </a:solidFill>
+        <a:latin typeface="+mn-lt"/>
+        <a:ea typeface="+mn-ea"/>
+        <a:cs typeface="+mn-cs"/>
+      </a:defRPr>
+    </a:lvl7pPr>
+    <a:lvl8pPr marL="3200400" algn="l" defTabSz="914400" rtl="0" eaLnBrk="1" latinLnBrk="0" hangingPunct="1">
+      <a:defRPr sz="1200" kern="1200">
+        <a:solidFill>
+          <a:schemeClr val="tx1"/>
+        </a:solidFill>
+        <a:latin typeface="+mn-lt"/>
+        <a:ea typeface="+mn-ea"/>
+        <a:cs typeface="+mn-cs"/>
+      </a:defRPr>
+    </a:lvl8pPr>
+    <a:lvl9pPr marL="3657600" algn="l" defTabSz="914400" rtl="0" eaLnBrk="1" latinLnBrk="0" hangingPunct="1">
+      <a:defRPr sz="1200" kern="1200">
+        <a:solidFill>
+          <a:schemeClr val="tx1"/>
+        </a:solidFill>
+        <a:latin typeface="+mn-lt"/>
+        <a:ea typeface="+mn-ea"/>
+        <a:cs typeface="+mn-cs"/>
+      </a:defRPr>
+    </a:lvl9pPr>
+  </p:notesStyle>
+</p:notesMaster>
+</file>
+
+<file path=ppt/notesSlides/notesSlide1.xml><?xml version="1.0" encoding="utf-8"?>
+<p:notes xmlns:a="http://schemas.openxmlformats.org/drawingml/2006/main" xmlns:r="http://schemas.openxmlformats.org/officeDocument/2006/relationships" xmlns:p="http://schemas.openxmlformats.org/presentationml/2006/main">
+  <p:cSld>
+    <p:spTree>
+      <p:nvGrpSpPr>
+        <p:cNvPr id="1" name=""/>
+        <p:cNvGrpSpPr/>
+        <p:nvPr/>
+      </p:nvGrpSpPr>
+      <p:grpSpPr>
+        <a:xfrm>
+          <a:off x="0" y="0"/>
+          <a:ext cx="0" cy="0"/>
+          <a:chOff x="0" y="0"/>
+          <a:chExt cx="0" cy="0"/>
+        </a:xfrm>
+      </p:grpSpPr>
+      <p:sp>
+        <p:nvSpPr>
+          <p:cNvPr id="2" name="Zástupný symbol pro obrázek snímku 1"/>
+          <p:cNvSpPr>
+            <a:spLocks noGrp="1" noRot="1" noChangeAspect="1"/>
+          </p:cNvSpPr>
+          <p:nvPr>
+            <p:ph type="sldImg"/>
+          </p:nvPr>
+        </p:nvSpPr>
+        <p:spPr/>
+      </p:sp>
+      <p:sp>
+        <p:nvSpPr>
+          <p:cNvPr id="3" name="Zástupný symbol pro poznámky 2"/>
+          <p:cNvSpPr>
+            <a:spLocks noGrp="1"/>
+          </p:cNvSpPr>
+          <p:nvPr>
+            <p:ph type="body" idx="1"/>
+          </p:nvPr>
+        </p:nvSpPr>
+        <p:spPr/>
+        <p:txBody>
+          <a:bodyPr/>
+          <a:lstStyle/>
+          <a:p>
+            <a:r>
+              <a:rPr lang="cs-CZ" dirty="0" smtClean="0"/>
+              <a:t>název práce</a:t>
+            </a:r>
+          </a:p>
+          <a:p>
+            <a:r>
+              <a:rPr lang="cs-CZ" dirty="0" smtClean="0"/>
+              <a:t>motivace a zadání práce (jaké bylo zadání, k čemu je to dobré)</a:t>
+            </a:r>
+          </a:p>
+        </p:txBody>
+      </p:sp>
+      <p:sp>
+        <p:nvSpPr>
+          <p:cNvPr id="4" name="Zástupný symbol pro číslo snímku 3"/>
+          <p:cNvSpPr>
+            <a:spLocks noGrp="1"/>
+          </p:cNvSpPr>
+          <p:nvPr>
+            <p:ph type="sldNum" sz="quarter" idx="10"/>
+          </p:nvPr>
+        </p:nvSpPr>
+        <p:spPr/>
+        <p:txBody>
+          <a:bodyPr/>
+          <a:lstStyle/>
+          <a:p>
+            <a:fld id="{3484BC17-34C4-4C69-B21E-368828D2F4E5}" type="slidenum">
+              <a:rPr lang="cs-CZ" smtClean="0"/>
+              <a:t>3</a:t>
+            </a:fld>
+            <a:endParaRPr lang="cs-CZ"/>
+          </a:p>
+        </p:txBody>
+      </p:sp>
+    </p:spTree>
+    <p:extLst>
+      <p:ext uri="{BB962C8B-B14F-4D97-AF65-F5344CB8AC3E}">
+        <p14:creationId xmlns:p14="http://schemas.microsoft.com/office/powerpoint/2010/main" val="2189779120"/>
+      </p:ext>
+    </p:extLst>
+  </p:cSld>
+  <p:clrMapOvr>
+    <a:masterClrMapping/>
+  </p:clrMapOvr>
+</p:notes>
 </file>
 
 <file path=ppt/slideLayouts/slideLayout1.xml><?xml version="1.0" encoding="utf-8"?>
@@ -310,7 +763,7 @@
           <a:p>
             <a:fld id="{96DFF08F-DC6B-4601-B491-B0F83F6DD2DA}" type="datetimeFigureOut">
               <a:rPr lang="en-US" smtClean="0"/>
-              <a:t>4/8/2017</a:t>
+              <a:t>6/11/2017</a:t>
             </a:fld>
             <a:endParaRPr lang="en-US" dirty="0"/>
           </a:p>
@@ -531,7 +984,7 @@
           <a:p>
             <a:fld id="{96DFF08F-DC6B-4601-B491-B0F83F6DD2DA}" type="datetimeFigureOut">
               <a:rPr lang="en-US" smtClean="0"/>
-              <a:t>4/8/2017</a:t>
+              <a:t>6/11/2017</a:t>
             </a:fld>
             <a:endParaRPr lang="en-US" dirty="0"/>
           </a:p>
@@ -711,7 +1164,7 @@
           <a:p>
             <a:fld id="{96DFF08F-DC6B-4601-B491-B0F83F6DD2DA}" type="datetimeFigureOut">
               <a:rPr lang="en-US" smtClean="0"/>
-              <a:t>4/8/2017</a:t>
+              <a:t>6/11/2017</a:t>
             </a:fld>
             <a:endParaRPr lang="en-US" dirty="0"/>
           </a:p>
@@ -881,7 +1334,7 @@
           <a:p>
             <a:fld id="{96DFF08F-DC6B-4601-B491-B0F83F6DD2DA}" type="datetimeFigureOut">
               <a:rPr lang="en-US" smtClean="0"/>
-              <a:t>4/8/2017</a:t>
+              <a:t>6/11/2017</a:t>
             </a:fld>
             <a:endParaRPr lang="en-US" dirty="0"/>
           </a:p>
@@ -1132,7 +1585,7 @@
           <a:p>
             <a:fld id="{96DFF08F-DC6B-4601-B491-B0F83F6DD2DA}" type="datetimeFigureOut">
               <a:rPr lang="en-US" smtClean="0"/>
-              <a:t>4/8/2017</a:t>
+              <a:t>6/11/2017</a:t>
             </a:fld>
             <a:endParaRPr lang="en-US" dirty="0"/>
           </a:p>
@@ -1455,7 +1908,7 @@
           <a:p>
             <a:fld id="{96DFF08F-DC6B-4601-B491-B0F83F6DD2DA}" type="datetimeFigureOut">
               <a:rPr lang="en-US" smtClean="0"/>
-              <a:t>4/8/2017</a:t>
+              <a:t>6/11/2017</a:t>
             </a:fld>
             <a:endParaRPr lang="en-US" dirty="0"/>
           </a:p>
@@ -1879,7 +2332,7 @@
           <a:p>
             <a:fld id="{96DFF08F-DC6B-4601-B491-B0F83F6DD2DA}" type="datetimeFigureOut">
               <a:rPr lang="en-US" smtClean="0"/>
-              <a:t>4/8/2017</a:t>
+              <a:t>6/11/2017</a:t>
             </a:fld>
             <a:endParaRPr lang="en-US" dirty="0"/>
           </a:p>
@@ -1997,7 +2450,7 @@
           <a:p>
             <a:fld id="{96DFF08F-DC6B-4601-B491-B0F83F6DD2DA}" type="datetimeFigureOut">
               <a:rPr lang="en-US" smtClean="0"/>
-              <a:t>4/8/2017</a:t>
+              <a:t>6/11/2017</a:t>
             </a:fld>
             <a:endParaRPr lang="en-US" dirty="0"/>
           </a:p>
@@ -2092,7 +2545,7 @@
           <a:p>
             <a:fld id="{96DFF08F-DC6B-4601-B491-B0F83F6DD2DA}" type="datetimeFigureOut">
               <a:rPr lang="en-US" smtClean="0"/>
-              <a:t>4/8/2017</a:t>
+              <a:t>6/11/2017</a:t>
             </a:fld>
             <a:endParaRPr lang="en-US" dirty="0"/>
           </a:p>
@@ -2382,7 +2835,7 @@
           <a:p>
             <a:fld id="{96DFF08F-DC6B-4601-B491-B0F83F6DD2DA}" type="datetimeFigureOut">
               <a:rPr lang="en-US" smtClean="0"/>
-              <a:t>4/8/2017</a:t>
+              <a:t>6/11/2017</a:t>
             </a:fld>
             <a:endParaRPr lang="en-US" dirty="0"/>
           </a:p>
@@ -2654,7 +3107,7 @@
           <a:p>
             <a:fld id="{96DFF08F-DC6B-4601-B491-B0F83F6DD2DA}" type="datetimeFigureOut">
               <a:rPr lang="en-US" smtClean="0"/>
-              <a:t>4/8/2017</a:t>
+              <a:t>6/11/2017</a:t>
             </a:fld>
             <a:endParaRPr lang="en-US" dirty="0"/>
           </a:p>
@@ -2908,7 +3361,7 @@
             <a:fld id="{96DFF08F-DC6B-4601-B491-B0F83F6DD2DA}" type="datetimeFigureOut">
               <a:rPr lang="en-US" smtClean="0"/>
               <a:pPr/>
-              <a:t>4/8/2017</a:t>
+              <a:t>6/11/2017</a:t>
             </a:fld>
             <a:endParaRPr lang="en-US" dirty="0"/>
           </a:p>
@@ -3511,6 +3964,171 @@
   <p:clrMapOvr>
     <a:masterClrMapping/>
   </p:clrMapOvr>
+  <p:timing>
+    <p:tnLst>
+      <p:par>
+        <p:cTn id="1" dur="indefinite" restart="never" nodeType="tmRoot"/>
+      </p:par>
+    </p:tnLst>
+  </p:timing>
+</p:sld>
+</file>
+
+<file path=ppt/slides/slide10.xml><?xml version="1.0" encoding="utf-8"?>
+<p:sld xmlns:a="http://schemas.openxmlformats.org/drawingml/2006/main" xmlns:r="http://schemas.openxmlformats.org/officeDocument/2006/relationships" xmlns:p="http://schemas.openxmlformats.org/presentationml/2006/main">
+  <p:cSld>
+    <p:spTree>
+      <p:nvGrpSpPr>
+        <p:cNvPr id="1" name=""/>
+        <p:cNvGrpSpPr/>
+        <p:nvPr/>
+      </p:nvGrpSpPr>
+      <p:grpSpPr>
+        <a:xfrm>
+          <a:off x="0" y="0"/>
+          <a:ext cx="0" cy="0"/>
+          <a:chOff x="0" y="0"/>
+          <a:chExt cx="0" cy="0"/>
+        </a:xfrm>
+      </p:grpSpPr>
+      <p:sp>
+        <p:nvSpPr>
+          <p:cNvPr id="2" name="Nadpis 1"/>
+          <p:cNvSpPr>
+            <a:spLocks noGrp="1"/>
+          </p:cNvSpPr>
+          <p:nvPr>
+            <p:ph type="title"/>
+          </p:nvPr>
+        </p:nvSpPr>
+        <p:spPr/>
+        <p:txBody>
+          <a:bodyPr/>
+          <a:lstStyle/>
+          <a:p>
+            <a:r>
+              <a:rPr lang="cs-CZ" dirty="0" smtClean="0"/>
+              <a:t>Zhodnocení práce</a:t>
+            </a:r>
+            <a:endParaRPr lang="cs-CZ" dirty="0"/>
+          </a:p>
+        </p:txBody>
+      </p:sp>
+      <p:sp>
+        <p:nvSpPr>
+          <p:cNvPr id="3" name="Zástupný symbol pro obsah 2"/>
+          <p:cNvSpPr>
+            <a:spLocks noGrp="1"/>
+          </p:cNvSpPr>
+          <p:nvPr>
+            <p:ph idx="1"/>
+          </p:nvPr>
+        </p:nvSpPr>
+        <p:spPr/>
+        <p:txBody>
+          <a:bodyPr/>
+          <a:lstStyle/>
+          <a:p>
+            <a:r>
+              <a:rPr lang="cs-CZ" dirty="0" smtClean="0"/>
+              <a:t>Zadané cíle se podařilo </a:t>
+            </a:r>
+            <a:r>
+              <a:rPr lang="cs-CZ" dirty="0" smtClean="0"/>
+              <a:t>splnit, případně teoreticky navrhnout řešení</a:t>
+            </a:r>
+            <a:endParaRPr lang="cs-CZ" dirty="0" smtClean="0"/>
+          </a:p>
+          <a:p>
+            <a:r>
+              <a:rPr lang="cs-CZ" dirty="0" smtClean="0"/>
+              <a:t>Problémy s Firebase (</a:t>
+            </a:r>
+            <a:r>
+              <a:rPr lang="cs-CZ" dirty="0" err="1" smtClean="0"/>
+              <a:t>Functions</a:t>
+            </a:r>
+            <a:r>
+              <a:rPr lang="cs-CZ" dirty="0" smtClean="0"/>
+              <a:t>, </a:t>
+            </a:r>
+            <a:r>
+              <a:rPr lang="cs-CZ" dirty="0" err="1" smtClean="0"/>
+              <a:t>timestamp</a:t>
+            </a:r>
+            <a:r>
+              <a:rPr lang="cs-CZ" dirty="0" smtClean="0"/>
+              <a:t>…)</a:t>
+            </a:r>
+          </a:p>
+          <a:p>
+            <a:r>
+              <a:rPr lang="cs-CZ" dirty="0" smtClean="0"/>
+              <a:t>Rozsáhlost projektu, technologie</a:t>
+            </a:r>
+          </a:p>
+          <a:p>
+            <a:endParaRPr lang="cs-CZ" dirty="0" smtClean="0"/>
+          </a:p>
+          <a:p>
+            <a:r>
+              <a:rPr lang="cs-CZ" dirty="0" smtClean="0"/>
+              <a:t>Zhodnocení současných mobilních aplikací </a:t>
+            </a:r>
+          </a:p>
+          <a:p>
+            <a:r>
+              <a:rPr lang="cs-CZ" dirty="0" smtClean="0"/>
+              <a:t>Open-source </a:t>
+            </a:r>
+            <a:r>
+              <a:rPr lang="cs-CZ" dirty="0" smtClean="0"/>
+              <a:t>studijní projekt, </a:t>
+            </a:r>
+            <a:r>
+              <a:rPr lang="cs-CZ" dirty="0" err="1" smtClean="0"/>
+              <a:t>demosntrace</a:t>
+            </a:r>
+            <a:r>
+              <a:rPr lang="cs-CZ" dirty="0" smtClean="0"/>
+              <a:t> použití </a:t>
+            </a:r>
+            <a:r>
+              <a:rPr lang="cs-CZ" dirty="0" err="1" smtClean="0"/>
+              <a:t>serverless</a:t>
+            </a:r>
+            <a:r>
+              <a:rPr lang="cs-CZ" dirty="0" smtClean="0"/>
+              <a:t> </a:t>
+            </a:r>
+            <a:r>
+              <a:rPr lang="cs-CZ" dirty="0" smtClean="0"/>
+              <a:t>řešení</a:t>
+            </a:r>
+          </a:p>
+          <a:p>
+            <a:r>
+              <a:rPr lang="cs-CZ" dirty="0" smtClean="0"/>
+              <a:t>Modul do mobilní aplikace</a:t>
+            </a:r>
+            <a:r>
+              <a:rPr lang="cs-CZ" dirty="0" smtClean="0"/>
+              <a:t> </a:t>
+            </a:r>
+            <a:endParaRPr lang="cs-CZ" dirty="0"/>
+          </a:p>
+        </p:txBody>
+      </p:sp>
+    </p:spTree>
+    <p:extLst>
+      <p:ext uri="{BB962C8B-B14F-4D97-AF65-F5344CB8AC3E}">
+        <p14:creationId xmlns:p14="http://schemas.microsoft.com/office/powerpoint/2010/main" val="4078339244"/>
+      </p:ext>
+    </p:extLst>
+  </p:cSld>
+  <p:clrMapOvr>
+    <a:masterClrMapping/>
+  </p:clrMapOvr>
 </p:sld>
 </file>
 
@@ -3548,7 +4166,7 @@
           <a:p>
             <a:r>
               <a:rPr lang="cs-CZ" dirty="0" smtClean="0"/>
-              <a:t>Cíl práce</a:t>
+              <a:t>Motivace práce</a:t>
             </a:r>
             <a:endParaRPr lang="cs-CZ" dirty="0"/>
           </a:p>
@@ -3566,112 +4184,32 @@
         </p:nvSpPr>
         <p:spPr/>
         <p:txBody>
-          <a:bodyPr>
-            <a:normAutofit/>
-          </a:bodyPr>
-          <a:lstStyle/>
-          <a:p>
-            <a:pPr marL="45720" indent="0">
-              <a:buNone/>
-            </a:pPr>
-            <a:r>
-              <a:rPr lang="fr-FR" b="1" dirty="0" smtClean="0"/>
-              <a:t>systém </a:t>
-            </a:r>
-            <a:r>
-              <a:rPr lang="fr-FR" b="1" dirty="0"/>
-              <a:t>pro instant </a:t>
-            </a:r>
-            <a:r>
-              <a:rPr lang="fr-FR" b="1" dirty="0" smtClean="0"/>
-              <a:t>messaging</a:t>
-            </a:r>
-            <a:r>
-              <a:rPr lang="cs-CZ" b="1" dirty="0" smtClean="0"/>
-              <a:t>:</a:t>
-            </a:r>
-          </a:p>
-          <a:p>
-            <a:pPr lvl="1">
-              <a:lnSpc>
-                <a:spcPct val="250000"/>
-              </a:lnSpc>
-              <a:buFont typeface="Wingdings" panose="05000000000000000000" pitchFamily="2" charset="2"/>
-              <a:buChar char="Ø"/>
-            </a:pPr>
+          <a:bodyPr/>
+          <a:lstStyle/>
+          <a:p>
             <a:r>
               <a:rPr lang="cs-CZ" dirty="0" smtClean="0"/>
-              <a:t>analyzovat </a:t>
-            </a:r>
-            <a:r>
-              <a:rPr lang="cs-CZ" dirty="0"/>
-              <a:t>možnosti realizace </a:t>
-            </a:r>
-            <a:endParaRPr lang="cs-CZ" dirty="0"/>
-          </a:p>
-          <a:p>
-            <a:pPr lvl="2">
-              <a:lnSpc>
-                <a:spcPct val="160000"/>
-              </a:lnSpc>
-              <a:buFont typeface="Wingdings" panose="05000000000000000000" pitchFamily="2" charset="2"/>
-              <a:buChar char="§"/>
-            </a:pPr>
-            <a:r>
-              <a:rPr lang="cs-CZ" i="1" dirty="0" smtClean="0"/>
-              <a:t>srovnání současných možností</a:t>
-            </a:r>
-          </a:p>
-          <a:p>
-            <a:pPr lvl="2">
-              <a:lnSpc>
-                <a:spcPct val="160000"/>
-              </a:lnSpc>
-              <a:buFont typeface="Wingdings" panose="05000000000000000000" pitchFamily="2" charset="2"/>
-              <a:buChar char="§"/>
-            </a:pPr>
-            <a:r>
-              <a:rPr lang="cs-CZ" i="1" dirty="0" smtClean="0"/>
-              <a:t>návrh vlastního systému</a:t>
-            </a:r>
-          </a:p>
-          <a:p>
-            <a:pPr lvl="1">
-              <a:lnSpc>
-                <a:spcPct val="250000"/>
-              </a:lnSpc>
-              <a:buFont typeface="Wingdings" panose="05000000000000000000" pitchFamily="2" charset="2"/>
-              <a:buChar char="Ø"/>
-            </a:pPr>
+              <a:t>Moderní a používaný segment aplikací</a:t>
+            </a:r>
+          </a:p>
+          <a:p>
             <a:r>
               <a:rPr lang="cs-CZ" dirty="0" smtClean="0"/>
-              <a:t>provést </a:t>
-            </a:r>
-            <a:r>
-              <a:rPr lang="cs-CZ" dirty="0"/>
-              <a:t>vlastní realizaci </a:t>
-            </a:r>
-            <a:endParaRPr lang="cs-CZ" dirty="0" smtClean="0"/>
-          </a:p>
-          <a:p>
-            <a:pPr lvl="1">
-              <a:lnSpc>
-                <a:spcPct val="250000"/>
-              </a:lnSpc>
-              <a:buFont typeface="Wingdings" panose="05000000000000000000" pitchFamily="2" charset="2"/>
-              <a:buChar char="Ø"/>
-            </a:pPr>
+              <a:t>Málo open-source řešení</a:t>
+            </a:r>
+          </a:p>
+          <a:p>
             <a:r>
               <a:rPr lang="cs-CZ" dirty="0" smtClean="0"/>
-              <a:t>návrh </a:t>
-            </a:r>
-            <a:r>
-              <a:rPr lang="cs-CZ" dirty="0"/>
-              <a:t>realizace </a:t>
+              <a:t>Není možná </a:t>
+            </a:r>
+            <a:r>
+              <a:rPr lang="cs-CZ" dirty="0" err="1" smtClean="0"/>
+              <a:t>customizace</a:t>
             </a:r>
             <a:r>
               <a:rPr lang="cs-CZ" dirty="0" smtClean="0"/>
-              <a:t>doplňkových funkcí</a:t>
+              <a:t>, správa dat</a:t>
             </a:r>
             <a:endParaRPr lang="cs-CZ" dirty="0"/>
           </a:p>
@@ -3680,7 +4218,7 @@
     </p:spTree>
     <p:extLst>
       <p:ext uri="{BB962C8B-B14F-4D97-AF65-F5344CB8AC3E}">
-        <p14:creationId xmlns:p14="http://schemas.microsoft.com/office/powerpoint/2010/main" val="1643890997"/>
+        <p14:creationId xmlns:p14="http://schemas.microsoft.com/office/powerpoint/2010/main" val="1554999378"/>
       </p:ext>
     </p:extLst>
   </p:cSld>
@@ -3724,7 +4262,7 @@
           <a:p>
             <a:r>
               <a:rPr lang="cs-CZ" dirty="0" smtClean="0"/>
-              <a:t>Požadavky na systém</a:t>
+              <a:t>Zadání a cíl práce</a:t>
             </a:r>
             <a:endParaRPr lang="cs-CZ" dirty="0"/>
           </a:p>
@@ -3742,101 +4280,131 @@
         </p:nvSpPr>
         <p:spPr/>
         <p:txBody>
-          <a:bodyPr/>
-          <a:lstStyle/>
-          <a:p>
-            <a:pPr>
+          <a:bodyPr>
+            <a:normAutofit/>
+          </a:bodyPr>
+          <a:lstStyle/>
+          <a:p>
+            <a:pPr marL="45720" indent="0">
+              <a:buNone/>
+            </a:pPr>
+            <a:r>
+              <a:rPr lang="fr-FR" b="1" i="1" dirty="0" smtClean="0"/>
+              <a:t>Analýza </a:t>
+            </a:r>
+            <a:r>
+              <a:rPr lang="fr-FR" b="1" i="1" dirty="0"/>
+              <a:t>a implementace systému pro instant messaging</a:t>
+            </a:r>
+            <a:endParaRPr lang="cs-CZ" b="1" i="1" dirty="0"/>
+          </a:p>
+          <a:p>
+            <a:pPr lvl="1">
               <a:lnSpc>
-                <a:spcPct val="200000"/>
+                <a:spcPct val="250000"/>
               </a:lnSpc>
+              <a:buFont typeface="Wingdings" panose="05000000000000000000" pitchFamily="2" charset="2"/>
+              <a:buChar char="Ø"/>
             </a:pPr>
             <a:r>
-              <a:rPr lang="cs-CZ" dirty="0" smtClean="0">
-                <a:solidFill>
-                  <a:srgbClr val="00B050"/>
-                </a:solidFill>
-              </a:rPr>
-              <a:t>Přihlašování </a:t>
-            </a:r>
-          </a:p>
-          <a:p>
-            <a:pPr>
+              <a:rPr lang="cs-CZ" dirty="0" smtClean="0"/>
+              <a:t>analyzovat </a:t>
+            </a:r>
+            <a:r>
+              <a:rPr lang="cs-CZ" dirty="0"/>
+              <a:t>možnosti realizace </a:t>
+            </a:r>
+          </a:p>
+          <a:p>
+            <a:pPr lvl="2">
               <a:lnSpc>
-                <a:spcPct val="150000"/>
+                <a:spcPct val="160000"/>
               </a:lnSpc>
+              <a:buFont typeface="Wingdings" panose="05000000000000000000" pitchFamily="2" charset="2"/>
+              <a:buChar char="§"/>
             </a:pPr>
             <a:r>
-              <a:rPr lang="cs-CZ" dirty="0" smtClean="0">
-                <a:solidFill>
-                  <a:srgbClr val="00B050"/>
-                </a:solidFill>
-              </a:rPr>
-              <a:t>Posílání </a:t>
-            </a:r>
-            <a:r>
-              <a:rPr lang="cs-CZ" dirty="0">
-                <a:solidFill>
-                  <a:srgbClr val="00B050"/>
-                </a:solidFill>
-              </a:rPr>
-              <a:t>zpráv mezi uživateli </a:t>
-            </a:r>
-          </a:p>
-          <a:p>
-            <a:pPr>
+              <a:rPr lang="cs-CZ" i="1" dirty="0" smtClean="0"/>
+              <a:t>srovnání současných možností</a:t>
+            </a:r>
+          </a:p>
+          <a:p>
+            <a:pPr lvl="2">
               <a:lnSpc>
-                <a:spcPct val="200000"/>
+                <a:spcPct val="160000"/>
               </a:lnSpc>
+              <a:buFont typeface="Wingdings" panose="05000000000000000000" pitchFamily="2" charset="2"/>
+              <a:buChar char="§"/>
             </a:pPr>
             <a:r>
-              <a:rPr lang="cs-CZ" dirty="0" smtClean="0">
-                <a:solidFill>
-                  <a:srgbClr val="00B050"/>
-                </a:solidFill>
-              </a:rPr>
-              <a:t>Možnost </a:t>
-            </a:r>
-            <a:r>
-              <a:rPr lang="cs-CZ" dirty="0">
-                <a:solidFill>
-                  <a:srgbClr val="00B050"/>
-                </a:solidFill>
-              </a:rPr>
-              <a:t>mít přátele </a:t>
-            </a:r>
-          </a:p>
-          <a:p>
-            <a:pPr>
+              <a:rPr lang="cs-CZ" i="1" dirty="0" smtClean="0"/>
+              <a:t>návrh vlastního </a:t>
+            </a:r>
+            <a:r>
+              <a:rPr lang="cs-CZ" i="1" dirty="0" smtClean="0"/>
+              <a:t>systému</a:t>
+            </a:r>
+            <a:endParaRPr lang="cs-CZ" i="1" dirty="0" smtClean="0"/>
+          </a:p>
+          <a:p>
+            <a:pPr lvl="1">
               <a:lnSpc>
-                <a:spcPct val="200000"/>
+                <a:spcPct val="250000"/>
               </a:lnSpc>
+              <a:buFont typeface="Wingdings" panose="05000000000000000000" pitchFamily="2" charset="2"/>
+              <a:buChar char="Ø"/>
             </a:pPr>
             <a:r>
-              <a:rPr lang="cs-CZ" dirty="0" smtClean="0">
-                <a:solidFill>
-                  <a:schemeClr val="accent2"/>
-                </a:solidFill>
-              </a:rPr>
-              <a:t>Schůzky</a:t>
-            </a:r>
-            <a:endParaRPr lang="cs-CZ" dirty="0">
-              <a:solidFill>
-                <a:schemeClr val="accent2"/>
-              </a:solidFill>
-            </a:endParaRPr>
+              <a:rPr lang="cs-CZ" dirty="0" smtClean="0"/>
+              <a:t>provést </a:t>
+            </a:r>
+            <a:r>
+              <a:rPr lang="cs-CZ" dirty="0"/>
+              <a:t>vlastní realizaci </a:t>
+            </a:r>
+            <a:endParaRPr lang="cs-CZ" dirty="0" smtClean="0"/>
+          </a:p>
+          <a:p>
+            <a:pPr lvl="1">
+              <a:lnSpc>
+                <a:spcPct val="250000"/>
+              </a:lnSpc>
+              <a:buFont typeface="Wingdings" panose="05000000000000000000" pitchFamily="2" charset="2"/>
+              <a:buChar char="Ø"/>
+            </a:pPr>
+            <a:r>
+              <a:rPr lang="cs-CZ" dirty="0" smtClean="0"/>
+              <a:t>návrh </a:t>
+            </a:r>
+            <a:r>
+              <a:rPr lang="cs-CZ" dirty="0"/>
+              <a:t>realizace </a:t>
+            </a:r>
+            <a:r>
+              <a:rPr lang="cs-CZ" dirty="0" smtClean="0"/>
+              <a:t>doplňkových funkcí</a:t>
+            </a:r>
+            <a:endParaRPr lang="cs-CZ" dirty="0"/>
           </a:p>
         </p:txBody>
       </p:sp>
     </p:spTree>
     <p:extLst>
       <p:ext uri="{BB962C8B-B14F-4D97-AF65-F5344CB8AC3E}">
-        <p14:creationId xmlns:p14="http://schemas.microsoft.com/office/powerpoint/2010/main" val="3949886331"/>
+        <p14:creationId xmlns:p14="http://schemas.microsoft.com/office/powerpoint/2010/main" val="1018818743"/>
       </p:ext>
     </p:extLst>
   </p:cSld>
   <p:clrMapOvr>
     <a:masterClrMapping/>
   </p:clrMapOvr>
+  <p:timing>
+    <p:tnLst>
+      <p:par>
+        <p:cTn id="1" dur="indefinite" restart="never" nodeType="tmRoot"/>
+      </p:par>
+    </p:tnLst>
+  </p:timing>
 </p:sld>
 </file>
 
@@ -3874,7 +4442,7 @@
           <a:p>
             <a:r>
               <a:rPr lang="cs-CZ" dirty="0" smtClean="0"/>
-              <a:t>Vlastní řešení</a:t>
+              <a:t>Požadavky na systém</a:t>
             </a:r>
             <a:endParaRPr lang="cs-CZ" dirty="0"/>
           </a:p>
@@ -3895,81 +4463,348 @@
           <a:bodyPr/>
           <a:lstStyle/>
           <a:p>
+            <a:pPr>
+              <a:lnSpc>
+                <a:spcPct val="200000"/>
+              </a:lnSpc>
+            </a:pPr>
+            <a:r>
+              <a:rPr lang="cs-CZ" dirty="0" smtClean="0">
+                <a:solidFill>
+                  <a:srgbClr val="00B050"/>
+                </a:solidFill>
+              </a:rPr>
+              <a:t>Přihlašování </a:t>
+            </a:r>
+          </a:p>
+          <a:p>
+            <a:pPr>
+              <a:lnSpc>
+                <a:spcPct val="150000"/>
+              </a:lnSpc>
+            </a:pPr>
+            <a:r>
+              <a:rPr lang="cs-CZ" dirty="0" smtClean="0">
+                <a:solidFill>
+                  <a:srgbClr val="00B050"/>
+                </a:solidFill>
+              </a:rPr>
+              <a:t>Posílání </a:t>
+            </a:r>
+            <a:r>
+              <a:rPr lang="cs-CZ" dirty="0">
+                <a:solidFill>
+                  <a:srgbClr val="00B050"/>
+                </a:solidFill>
+              </a:rPr>
+              <a:t>zpráv mezi uživateli </a:t>
+            </a:r>
+          </a:p>
+          <a:p>
+            <a:pPr>
+              <a:lnSpc>
+                <a:spcPct val="200000"/>
+              </a:lnSpc>
+            </a:pPr>
+            <a:r>
+              <a:rPr lang="cs-CZ" dirty="0" smtClean="0">
+                <a:solidFill>
+                  <a:srgbClr val="00B050"/>
+                </a:solidFill>
+              </a:rPr>
+              <a:t>Možnost </a:t>
+            </a:r>
+            <a:r>
+              <a:rPr lang="cs-CZ" dirty="0">
+                <a:solidFill>
+                  <a:srgbClr val="00B050"/>
+                </a:solidFill>
+              </a:rPr>
+              <a:t>mít přátele </a:t>
+            </a:r>
+          </a:p>
+          <a:p>
+            <a:pPr>
+              <a:lnSpc>
+                <a:spcPct val="200000"/>
+              </a:lnSpc>
+            </a:pPr>
+            <a:r>
+              <a:rPr lang="cs-CZ" dirty="0" smtClean="0">
+                <a:solidFill>
+                  <a:schemeClr val="accent2"/>
+                </a:solidFill>
+              </a:rPr>
+              <a:t>Schůzky</a:t>
+            </a:r>
+            <a:endParaRPr lang="cs-CZ" dirty="0">
+              <a:solidFill>
+                <a:schemeClr val="accent2"/>
+              </a:solidFill>
+            </a:endParaRPr>
+          </a:p>
+        </p:txBody>
+      </p:sp>
+    </p:spTree>
+    <p:extLst>
+      <p:ext uri="{BB962C8B-B14F-4D97-AF65-F5344CB8AC3E}">
+        <p14:creationId xmlns:p14="http://schemas.microsoft.com/office/powerpoint/2010/main" val="3949886331"/>
+      </p:ext>
+    </p:extLst>
+  </p:cSld>
+  <p:clrMapOvr>
+    <a:masterClrMapping/>
+  </p:clrMapOvr>
+  <p:timing>
+    <p:tnLst>
+      <p:par>
+        <p:cTn id="1" dur="indefinite" restart="never" nodeType="tmRoot"/>
+      </p:par>
+    </p:tnLst>
+  </p:timing>
+</p:sld>
+</file>
+
+<file path=ppt/slides/slide5.xml><?xml version="1.0" encoding="utf-8"?>
+<p:sld xmlns:a="http://schemas.openxmlformats.org/drawingml/2006/main" xmlns:r="http://schemas.openxmlformats.org/officeDocument/2006/relationships" xmlns:p="http://schemas.openxmlformats.org/presentationml/2006/main">
+  <p:cSld>
+    <p:spTree>
+      <p:nvGrpSpPr>
+        <p:cNvPr id="1" name=""/>
+        <p:cNvGrpSpPr/>
+        <p:nvPr/>
+      </p:nvGrpSpPr>
+      <p:grpSpPr>
+        <a:xfrm>
+          <a:off x="0" y="0"/>
+          <a:ext cx="0" cy="0"/>
+          <a:chOff x="0" y="0"/>
+          <a:chExt cx="0" cy="0"/>
+        </a:xfrm>
+      </p:grpSpPr>
+      <p:sp>
+        <p:nvSpPr>
+          <p:cNvPr id="2" name="Nadpis 1"/>
+          <p:cNvSpPr>
+            <a:spLocks noGrp="1"/>
+          </p:cNvSpPr>
+          <p:nvPr>
+            <p:ph type="title"/>
+          </p:nvPr>
+        </p:nvSpPr>
+        <p:spPr/>
+        <p:txBody>
+          <a:bodyPr/>
+          <a:lstStyle/>
+          <a:p>
             <a:r>
               <a:rPr lang="cs-CZ" dirty="0" smtClean="0"/>
-              <a:t>možnost škálovatelnosti</a:t>
-            </a:r>
-          </a:p>
-          <a:p>
+              <a:t>Možnosti realizace systému</a:t>
+            </a:r>
+            <a:endParaRPr lang="cs-CZ" dirty="0"/>
+          </a:p>
+        </p:txBody>
+      </p:sp>
+      <p:sp>
+        <p:nvSpPr>
+          <p:cNvPr id="3" name="Zástupný symbol pro obsah 2"/>
+          <p:cNvSpPr>
+            <a:spLocks noGrp="1"/>
+          </p:cNvSpPr>
+          <p:nvPr>
+            <p:ph idx="1"/>
+          </p:nvPr>
+        </p:nvSpPr>
+        <p:spPr>
+          <a:xfrm>
+            <a:off x="1143000" y="2057400"/>
+            <a:ext cx="9872871" cy="4371392"/>
+          </a:xfrm>
+        </p:spPr>
+        <p:txBody>
+          <a:bodyPr>
+            <a:normAutofit lnSpcReduction="10000"/>
+          </a:bodyPr>
+          <a:lstStyle/>
+          <a:p>
+            <a:pPr>
+              <a:lnSpc>
+                <a:spcPct val="200000"/>
+              </a:lnSpc>
+            </a:pPr>
             <a:r>
               <a:rPr lang="cs-CZ" dirty="0" smtClean="0"/>
-              <a:t>nasazení na vlastním HW</a:t>
-            </a:r>
-          </a:p>
-          <a:p>
+              <a:t>webové služby (REST API / SOAP)</a:t>
+            </a:r>
+          </a:p>
+          <a:p>
+            <a:pPr lvl="1">
+              <a:lnSpc>
+                <a:spcPct val="100000"/>
+              </a:lnSpc>
+            </a:pPr>
             <a:r>
               <a:rPr lang="cs-CZ" dirty="0" smtClean="0"/>
-              <a:t>„vlastní pravidla“</a:t>
-            </a:r>
-          </a:p>
-          <a:p>
+              <a:t>není </a:t>
+            </a:r>
+            <a:r>
+              <a:rPr lang="cs-CZ" dirty="0" err="1" smtClean="0"/>
+              <a:t>realtime</a:t>
+            </a:r>
+            <a:endParaRPr lang="cs-CZ" dirty="0"/>
+          </a:p>
+          <a:p>
+            <a:pPr lvl="1">
+              <a:lnSpc>
+                <a:spcPct val="100000"/>
+              </a:lnSpc>
+            </a:pPr>
+            <a:r>
+              <a:rPr lang="cs-CZ" dirty="0" smtClean="0"/>
+              <a:t>veřejná adresa, nutnost </a:t>
+            </a:r>
+            <a:r>
+              <a:rPr lang="cs-CZ" dirty="0" err="1" smtClean="0"/>
+              <a:t>it</a:t>
+            </a:r>
+            <a:r>
+              <a:rPr lang="cs-CZ" dirty="0" smtClean="0"/>
+              <a:t> infrastruktury</a:t>
+            </a:r>
+          </a:p>
+          <a:p>
+            <a:pPr lvl="1">
+              <a:lnSpc>
+                <a:spcPct val="100000"/>
+              </a:lnSpc>
+            </a:pPr>
+            <a:r>
+              <a:rPr lang="cs-CZ" dirty="0" smtClean="0"/>
+              <a:t>tunelování VPN</a:t>
+            </a:r>
+          </a:p>
+          <a:p>
+            <a:pPr>
+              <a:lnSpc>
+                <a:spcPct val="100000"/>
+              </a:lnSpc>
+            </a:pPr>
+            <a:r>
+              <a:rPr lang="cs-CZ" dirty="0" smtClean="0"/>
+              <a:t>XMPP</a:t>
+            </a:r>
+          </a:p>
+          <a:p>
+            <a:pPr lvl="1">
+              <a:lnSpc>
+                <a:spcPct val="100000"/>
+              </a:lnSpc>
+            </a:pPr>
+            <a:r>
+              <a:rPr lang="cs-CZ" dirty="0" smtClean="0"/>
+              <a:t>dostupné klientské knihovny</a:t>
+            </a:r>
+          </a:p>
+          <a:p>
+            <a:pPr lvl="1">
+              <a:lnSpc>
+                <a:spcPct val="100000"/>
+              </a:lnSpc>
+            </a:pPr>
+            <a:r>
+              <a:rPr lang="cs-CZ" dirty="0" smtClean="0"/>
+              <a:t>robustní serverová řešení</a:t>
+            </a:r>
+          </a:p>
+          <a:p>
+            <a:pPr lvl="1">
+              <a:lnSpc>
+                <a:spcPct val="100000"/>
+              </a:lnSpc>
+            </a:pPr>
+            <a:r>
+              <a:rPr lang="cs-CZ" dirty="0" smtClean="0"/>
+              <a:t>složitost</a:t>
+            </a:r>
+          </a:p>
+          <a:p>
+            <a:pPr>
+              <a:lnSpc>
+                <a:spcPct val="100000"/>
+              </a:lnSpc>
+            </a:pPr>
+            <a:r>
+              <a:rPr lang="cs-CZ" dirty="0" err="1" smtClean="0"/>
+              <a:t>mBaaS</a:t>
+            </a:r>
+            <a:r>
+              <a:rPr lang="cs-CZ" dirty="0" smtClean="0"/>
+              <a:t> (</a:t>
+            </a:r>
+            <a:r>
+              <a:rPr lang="en-US" dirty="0"/>
+              <a:t>mobile Backend as a Service). </a:t>
+            </a:r>
             <a:endParaRPr lang="cs-CZ" dirty="0" smtClean="0"/>
           </a:p>
           <a:p>
+            <a:pPr lvl="1">
+              <a:lnSpc>
+                <a:spcPct val="100000"/>
+              </a:lnSpc>
+            </a:pPr>
+            <a:r>
+              <a:rPr lang="cs-CZ" dirty="0" err="1" smtClean="0"/>
+              <a:t>cloudová</a:t>
+            </a:r>
             <a:r>
               <a:rPr lang="cs-CZ" dirty="0" smtClean="0"/>
-              <a:t>Technologie:</a:t>
-            </a:r>
-            <a:endParaRPr lang="cs-CZ" dirty="0"/>
-          </a:p>
-          <a:p>
-            <a:pPr lvl="1">
-              <a:buFont typeface="Wingdings" panose="05000000000000000000" pitchFamily="2" charset="2"/>
-              <a:buChar char="Ø"/>
-            </a:pPr>
-            <a:r>
-              <a:rPr lang="cs-CZ" dirty="0" smtClean="0"/>
-              <a:t>Android – mobilní aplikace</a:t>
-            </a:r>
-          </a:p>
-          <a:p>
-            <a:pPr lvl="1">
-              <a:buFont typeface="Wingdings" panose="05000000000000000000" pitchFamily="2" charset="2"/>
-              <a:buChar char="Ø"/>
-            </a:pPr>
-            <a:r>
-              <a:rPr lang="cs-CZ" dirty="0" err="1" smtClean="0"/>
-              <a:t>Firebase</a:t>
-            </a:r>
-            <a:r>
-              <a:rPr lang="cs-CZ" dirty="0" smtClean="0"/>
-              <a:t> – </a:t>
-            </a:r>
-            <a:r>
-              <a:rPr lang="cs-CZ" dirty="0" err="1" smtClean="0"/>
-              <a:t>serverless</a:t>
-            </a:r>
-            <a:r>
-              <a:rPr lang="cs-CZ" dirty="0" smtClean="0"/>
-              <a:t> řešení</a:t>
-            </a:r>
-          </a:p>
-          <a:p>
-            <a:pPr lvl="1">
-              <a:buFont typeface="Wingdings" panose="05000000000000000000" pitchFamily="2" charset="2"/>
-              <a:buChar char="Ø"/>
-            </a:pPr>
-            <a:r>
-              <a:rPr lang="cs-CZ" dirty="0" smtClean="0"/>
-              <a:t>Angular2 – webová administrace</a:t>
-            </a:r>
-            <a:endParaRPr lang="cs-CZ" dirty="0"/>
-          </a:p>
-        </p:txBody>
-      </p:sp>
+              <a:t> služba</a:t>
+            </a:r>
+            <a:endParaRPr lang="cs-CZ" dirty="0" smtClean="0"/>
+          </a:p>
+        </p:txBody>
+      </p:sp>
+    </p:spTree>
+    <p:extLst>
+      <p:ext uri="{BB962C8B-B14F-4D97-AF65-F5344CB8AC3E}">
+        <p14:creationId xmlns:p14="http://schemas.microsoft.com/office/powerpoint/2010/main" val="2498550353"/>
+      </p:ext>
+    </p:extLst>
+  </p:cSld>
+  <p:clrMapOvr>
+    <a:masterClrMapping/>
+  </p:clrMapOvr>
+  <p:timing>
+    <p:tnLst>
+      <p:par>
+        <p:cTn id="1" dur="indefinite" restart="never" nodeType="tmRoot"/>
+      </p:par>
+    </p:tnLst>
+  </p:timing>
+</p:sld>
+</file>
+
+<file path=ppt/slides/slide6.xml><?xml version="1.0" encoding="utf-8"?>
+<p:sld xmlns:a="http://schemas.openxmlformats.org/drawingml/2006/main" xmlns:r="http://schemas.openxmlformats.org/officeDocument/2006/relationships" xmlns:p="http://schemas.openxmlformats.org/presentationml/2006/main">
+  <p:cSld>
+    <p:spTree>
+      <p:nvGrpSpPr>
+        <p:cNvPr id="1" name=""/>
+        <p:cNvGrpSpPr/>
+        <p:nvPr/>
+      </p:nvGrpSpPr>
+      <p:grpSpPr>
+        <a:xfrm>
+          <a:off x="0" y="0"/>
+          <a:ext cx="0" cy="0"/>
+          <a:chOff x="0" y="0"/>
+          <a:chExt cx="0" cy="0"/>
+        </a:xfrm>
+      </p:grpSpPr>
       <p:pic>
         <p:nvPicPr>
-          <p:cNvPr id="5" name="Obrázek 4"/>
+          <p:cNvPr id="4" name="Obrázek 3"/>
           <p:cNvPicPr>
             <a:picLocks noChangeAspect="1"/>
           </p:cNvPicPr>
@@ -3991,6 +4826,117 @@
           </a:prstGeom>
         </p:spPr>
       </p:pic>
+      <p:sp>
+        <p:nvSpPr>
+          <p:cNvPr id="2" name="Nadpis 1"/>
+          <p:cNvSpPr>
+            <a:spLocks noGrp="1"/>
+          </p:cNvSpPr>
+          <p:nvPr>
+            <p:ph type="title"/>
+          </p:nvPr>
+        </p:nvSpPr>
+        <p:spPr/>
+        <p:txBody>
+          <a:bodyPr/>
+          <a:lstStyle/>
+          <a:p>
+            <a:r>
+              <a:rPr lang="cs-CZ" dirty="0" smtClean="0"/>
+              <a:t>Vlastní řešení</a:t>
+            </a:r>
+            <a:endParaRPr lang="cs-CZ" dirty="0"/>
+          </a:p>
+        </p:txBody>
+      </p:sp>
+      <p:sp>
+        <p:nvSpPr>
+          <p:cNvPr id="3" name="Zástupný symbol pro obsah 2"/>
+          <p:cNvSpPr>
+            <a:spLocks noGrp="1"/>
+          </p:cNvSpPr>
+          <p:nvPr>
+            <p:ph idx="1"/>
+          </p:nvPr>
+        </p:nvSpPr>
+        <p:spPr/>
+        <p:txBody>
+          <a:bodyPr/>
+          <a:lstStyle/>
+          <a:p>
+            <a:r>
+              <a:rPr lang="cs-CZ" dirty="0" smtClean="0"/>
+              <a:t>možnost škálovatelnosti</a:t>
+            </a:r>
+          </a:p>
+          <a:p>
+            <a:r>
+              <a:rPr lang="cs-CZ" dirty="0" smtClean="0"/>
+              <a:t>bez vlastní IT infrastruktury</a:t>
+            </a:r>
+            <a:endParaRPr lang="cs-CZ" dirty="0" smtClean="0"/>
+          </a:p>
+          <a:p>
+            <a:r>
+              <a:rPr lang="cs-CZ" dirty="0" smtClean="0"/>
+              <a:t>„vlastní pravidla“</a:t>
+            </a:r>
+          </a:p>
+          <a:p>
+            <a:endParaRPr lang="cs-CZ" dirty="0" smtClean="0"/>
+          </a:p>
+          <a:p>
+            <a:r>
+              <a:rPr lang="cs-CZ" dirty="0" smtClean="0"/>
+              <a:t>Technologie:</a:t>
+            </a:r>
+            <a:endParaRPr lang="cs-CZ" dirty="0"/>
+          </a:p>
+          <a:p>
+            <a:pPr lvl="1">
+              <a:buFont typeface="Wingdings" panose="05000000000000000000" pitchFamily="2" charset="2"/>
+              <a:buChar char="Ø"/>
+            </a:pPr>
+            <a:r>
+              <a:rPr lang="cs-CZ" dirty="0" smtClean="0"/>
+              <a:t>Android – mobilní aplikace</a:t>
+            </a:r>
+          </a:p>
+          <a:p>
+            <a:pPr lvl="1">
+              <a:buFont typeface="Wingdings" panose="05000000000000000000" pitchFamily="2" charset="2"/>
+              <a:buChar char="Ø"/>
+            </a:pPr>
+            <a:r>
+              <a:rPr lang="cs-CZ" dirty="0" err="1" smtClean="0"/>
+              <a:t>Firebase</a:t>
+            </a:r>
+            <a:r>
+              <a:rPr lang="cs-CZ" dirty="0" smtClean="0"/>
+              <a:t> – </a:t>
+            </a:r>
+            <a:r>
+              <a:rPr lang="cs-CZ" dirty="0" err="1" smtClean="0"/>
+              <a:t>serverless</a:t>
+            </a:r>
+            <a:r>
+              <a:rPr lang="cs-CZ" dirty="0" smtClean="0"/>
+              <a:t> řešení</a:t>
+            </a:r>
+          </a:p>
+          <a:p>
+            <a:pPr lvl="1">
+              <a:buFont typeface="Wingdings" panose="05000000000000000000" pitchFamily="2" charset="2"/>
+              <a:buChar char="Ø"/>
+            </a:pPr>
+            <a:r>
+              <a:rPr lang="cs-CZ" dirty="0" smtClean="0"/>
+              <a:t>Angular2 – webová administrace</a:t>
+            </a:r>
+            <a:endParaRPr lang="cs-CZ" dirty="0"/>
+          </a:p>
+        </p:txBody>
+      </p:sp>
     </p:spTree>
     <p:extLst>
       <p:ext uri="{BB962C8B-B14F-4D97-AF65-F5344CB8AC3E}">
@@ -4001,10 +4947,17 @@
   <p:clrMapOvr>
     <a:masterClrMapping/>
   </p:clrMapOvr>
+  <p:timing>
+    <p:tnLst>
+      <p:par>
+        <p:cTn id="1" dur="indefinite" restart="never" nodeType="tmRoot"/>
+      </p:par>
+    </p:tnLst>
+  </p:timing>
 </p:sld>
 </file>
 
-<file path=ppt/slides/slide5.xml><?xml version="1.0" encoding="utf-8"?>
+<file path=ppt/slides/slide7.xml><?xml version="1.0" encoding="utf-8"?>
 <p:sld xmlns:a="http://schemas.openxmlformats.org/drawingml/2006/main" xmlns:r="http://schemas.openxmlformats.org/officeDocument/2006/relationships" xmlns:p="http://schemas.openxmlformats.org/presentationml/2006/main">
   <p:cSld>
     <p:spTree>
@@ -4118,10 +5071,17 @@
   <p:clrMapOvr>
     <a:masterClrMapping/>
   </p:clrMapOvr>
+  <p:timing>
+    <p:tnLst>
+      <p:par>
+        <p:cTn id="1" dur="indefinite" restart="never" nodeType="tmRoot"/>
+      </p:par>
+    </p:tnLst>
+  </p:timing>
 </p:sld>
 </file>
 
-<file path=ppt/slides/slide6.xml><?xml version="1.0" encoding="utf-8"?>
+<file path=ppt/slides/slide8.xml><?xml version="1.0" encoding="utf-8"?>
 <p:sld xmlns:a="http://schemas.openxmlformats.org/drawingml/2006/main" xmlns:r="http://schemas.openxmlformats.org/officeDocument/2006/relationships" xmlns:p="http://schemas.openxmlformats.org/presentationml/2006/main">
   <p:cSld>
     <p:spTree>
@@ -4336,7 +5296,7 @@
 </p:sld>
 </file>
 
-<file path=ppt/slides/slide7.xml><?xml version="1.0" encoding="utf-8"?>
+<file path=ppt/slides/slide9.xml><?xml version="1.0" encoding="utf-8"?>
 <p:sld xmlns:a="http://schemas.openxmlformats.org/drawingml/2006/main" xmlns:r="http://schemas.openxmlformats.org/officeDocument/2006/relationships" xmlns:p="http://schemas.openxmlformats.org/presentationml/2006/main">
   <p:cSld>
     <p:spTree>
@@ -4429,134 +5389,6 @@
     <p:extLst>
       <p:ext uri="{BB962C8B-B14F-4D97-AF65-F5344CB8AC3E}">
         <p14:creationId xmlns:p14="http://schemas.microsoft.com/office/powerpoint/2010/main" val="3895739355"/>
-      </p:ext>
-    </p:extLst>
-  </p:cSld>
-  <p:clrMapOvr>
-    <a:masterClrMapping/>
-  </p:clrMapOvr>
-</p:sld>
-</file>
-
-<file path=ppt/slides/slide8.xml><?xml version="1.0" encoding="utf-8"?>
-<p:sld xmlns:a="http://schemas.openxmlformats.org/drawingml/2006/main" xmlns:r="http://schemas.openxmlformats.org/officeDocument/2006/relationships" xmlns:p="http://schemas.openxmlformats.org/presentationml/2006/main">
-  <p:cSld>
-    <p:spTree>
-      <p:nvGrpSpPr>
-        <p:cNvPr id="1" name=""/>
-        <p:cNvGrpSpPr/>
-        <p:nvPr/>
-      </p:nvGrpSpPr>
-      <p:grpSpPr>
-        <a:xfrm>
-          <a:off x="0" y="0"/>
-          <a:ext cx="0" cy="0"/>
-          <a:chOff x="0" y="0"/>
-          <a:chExt cx="0" cy="0"/>
-        </a:xfrm>
-      </p:grpSpPr>
-      <p:sp>
-        <p:nvSpPr>
-          <p:cNvPr id="2" name="Nadpis 1"/>
-          <p:cNvSpPr>
-            <a:spLocks noGrp="1"/>
-          </p:cNvSpPr>
-          <p:nvPr>
-            <p:ph type="title"/>
-          </p:nvPr>
-        </p:nvSpPr>
-        <p:spPr/>
-        <p:txBody>
-          <a:bodyPr/>
-          <a:lstStyle/>
-          <a:p>
-            <a:r>
-              <a:rPr lang="cs-CZ" dirty="0" smtClean="0"/>
-              <a:t>Zhodnocení</a:t>
-            </a:r>
-            <a:endParaRPr lang="cs-CZ" dirty="0"/>
-          </a:p>
-        </p:txBody>
-      </p:sp>
-      <p:sp>
-        <p:nvSpPr>
-          <p:cNvPr id="3" name="Zástupný symbol pro obsah 2"/>
-          <p:cNvSpPr>
-            <a:spLocks noGrp="1"/>
-          </p:cNvSpPr>
-          <p:nvPr>
-            <p:ph idx="1"/>
-          </p:nvPr>
-        </p:nvSpPr>
-        <p:spPr/>
-        <p:txBody>
-          <a:bodyPr/>
-          <a:lstStyle/>
-          <a:p>
-            <a:r>
-              <a:rPr lang="cs-CZ" dirty="0" smtClean="0"/>
-              <a:t>Zadané cíle se podařilo splnit</a:t>
-            </a:r>
-          </a:p>
-          <a:p>
-            <a:r>
-              <a:rPr lang="cs-CZ" dirty="0" smtClean="0"/>
-              <a:t>Problémy s </a:t>
-            </a:r>
-            <a:r>
-              <a:rPr lang="cs-CZ" dirty="0" err="1" smtClean="0"/>
-              <a:t>Firebase</a:t>
-            </a:r>
-            <a:r>
-              <a:rPr lang="cs-CZ" dirty="0" smtClean="0"/>
-              <a:t> (</a:t>
-            </a:r>
-            <a:r>
-              <a:rPr lang="cs-CZ" dirty="0" err="1" smtClean="0"/>
-              <a:t>Functions</a:t>
-            </a:r>
-            <a:r>
-              <a:rPr lang="cs-CZ" dirty="0" smtClean="0"/>
-              <a:t>, </a:t>
-            </a:r>
-            <a:r>
-              <a:rPr lang="cs-CZ" dirty="0" err="1" smtClean="0"/>
-              <a:t>timestamp</a:t>
-            </a:r>
-            <a:r>
-              <a:rPr lang="cs-CZ" dirty="0" smtClean="0"/>
-              <a:t>…)</a:t>
-            </a:r>
-          </a:p>
-          <a:p>
-            <a:r>
-              <a:rPr lang="cs-CZ" dirty="0" smtClean="0"/>
-              <a:t>Open-source studijní projekt, </a:t>
-            </a:r>
-            <a:r>
-              <a:rPr lang="cs-CZ" dirty="0" err="1" smtClean="0"/>
-              <a:t>demosntrace</a:t>
-            </a:r>
-            <a:r>
-              <a:rPr lang="cs-CZ" dirty="0" smtClean="0"/>
-              <a:t> použití </a:t>
-            </a:r>
-            <a:r>
-              <a:rPr lang="cs-CZ" dirty="0" err="1" smtClean="0"/>
-              <a:t>serverless</a:t>
-            </a:r>
-            <a:r>
-              <a:rPr lang="cs-CZ" dirty="0" smtClean="0"/>
-              <a:t> řešení </a:t>
-            </a:r>
-            <a:endParaRPr lang="cs-CZ" dirty="0"/>
-          </a:p>
-        </p:txBody>
-      </p:sp>
-    </p:spTree>
-    <p:extLst>
-      <p:ext uri="{BB962C8B-B14F-4D97-AF65-F5344CB8AC3E}">
-        <p14:creationId xmlns:p14="http://schemas.microsoft.com/office/powerpoint/2010/main" val="4078339244"/>
       </p:ext>
     </p:extLst>
   </p:cSld>
@@ -4801,4 +5633,265 @@
     </a:ext>
   </a:extLst>
 </a:theme>
+</file>
+
+<file path=ppt/theme/theme2.xml><?xml version="1.0" encoding="utf-8"?>
+<a:theme xmlns:a="http://schemas.openxmlformats.org/drawingml/2006/main" name="Motiv Office">
+  <a:themeElements>
+    <a:clrScheme name="Kancelář">
+      <a:dk1>
+        <a:sysClr val="windowText" lastClr="000000"/>
+      </a:dk1>
+      <a:lt1>
+        <a:sysClr val="window" lastClr="FFFFFF"/>
+      </a:lt1>
+      <a:dk2>
+        <a:srgbClr val="44546A"/>
+      </a:dk2>
+      <a:lt2>
+        <a:srgbClr val="E7E6E6"/>
+      </a:lt2>
+      <a:accent1>
+        <a:srgbClr val="5B9BD5"/>
+      </a:accent1>
+      <a:accent2>
+        <a:srgbClr val="ED7D31"/>
+      </a:accent2>
+      <a:accent3>
+        <a:srgbClr val="A5A5A5"/>
+      </a:accent3>
+      <a:accent4>
+        <a:srgbClr val="FFC000"/>
+      </a:accent4>
+      <a:accent5>
+        <a:srgbClr val="4472C4"/>
+      </a:accent5>
+      <a:accent6>
+        <a:srgbClr val="70AD47"/>
+      </a:accent6>
+      <a:hlink>
+        <a:srgbClr val="0563C1"/>
+      </a:hlink>
+      <a:folHlink>
+        <a:srgbClr val="954F72"/>
+      </a:folHlink>
+    </a:clrScheme>
+    <a:fontScheme name="Kancelář">
+      <a:majorFont>
+        <a:latin typeface="Calibri Light" panose="020F0302020204030204"/>
+        <a:ea typeface=""/>
+        <a:cs typeface=""/>
+        <a:font script="Jpan" typeface="ＭＳ Ｐゴシック"/>
+        <a:font script="Hang" typeface="맑은 고딕"/>
+        <a:font script="Hans" typeface="宋体"/>
+        <a:font script="Hant" typeface="新細明體"/>
+        <a:font script="Arab" typeface="Times New Roman"/>
+        <a:font script="Hebr" typeface="Times New Roman"/>
+        <a:font script="Thai" typeface="Angsana New"/>
+        <a:font script="Ethi" typeface="Nyala"/>
+        <a:font script="Beng" typeface="Vrinda"/>
+        <a:font script="Gujr" typeface="Shruti"/>
+        <a:font script="Khmr" typeface="MoolBoran"/>
+        <a:font script="Knda" typeface="Tunga"/>
+        <a:font script="Guru" typeface="Raavi"/>
+        <a:font script="Cans" typeface="Euphemia"/>
+        <a:font script="Cher" typeface="Plantagenet Cherokee"/>
+        <a:font script="Yiii" typeface="Microsoft Yi Baiti"/>
+        <a:font script="Tibt" typeface="Microsoft Himalaya"/>
+        <a:font script="Thaa" typeface="MV Boli"/>
+        <a:font script="Deva" typeface="Mangal"/>
+        <a:font script="Telu" typeface="Gautami"/>
+        <a:font script="Taml" typeface="Latha"/>
+        <a:font script="Syrc" typeface="Estrangelo Edessa"/>
+        <a:font script="Orya" typeface="Kalinga"/>
+        <a:font script="Mlym" typeface="Kartika"/>
+        <a:font script="Laoo" typeface="DokChampa"/>
+        <a:font script="Sinh" typeface="Iskoola Pota"/>
+        <a:font script="Mong" typeface="Mongolian Baiti"/>
+        <a:font script="Viet" typeface="Times New Roman"/>
+        <a:font script="Uigh" typeface="Microsoft Uighur"/>
+        <a:font script="Geor" typeface="Sylfaen"/>
+      </a:majorFont>
+      <a:minorFont>
+        <a:latin typeface="Calibri" panose="020F0502020204030204"/>
+        <a:ea typeface=""/>
+        <a:cs typeface=""/>
+        <a:font script="Jpan" typeface="ＭＳ Ｐゴシック"/>
+        <a:font script="Hang" typeface="맑은 고딕"/>
+        <a:font script="Hans" typeface="宋体"/>
+        <a:font script="Hant" typeface="新細明體"/>
+        <a:font script="Arab" typeface="Arial"/>
+        <a:font script="Hebr" typeface="Arial"/>
+        <a:font script="Thai" typeface="Cordia New"/>
+        <a:font script="Ethi" typeface="Nyala"/>
+        <a:font script="Beng" typeface="Vrinda"/>
+        <a:font script="Gujr" typeface="Shruti"/>
+        <a:font script="Khmr" typeface="DaunPenh"/>
+        <a:font script="Knda" typeface="Tunga"/>
+        <a:font script="Guru" typeface="Raavi"/>
+        <a:font script="Cans" typeface="Euphemia"/>
+        <a:font script="Cher" typeface="Plantagenet Cherokee"/>
+        <a:font script="Yiii" typeface="Microsoft Yi Baiti"/>
+        <a:font script="Tibt" typeface="Microsoft Himalaya"/>
+        <a:font script="Thaa" typeface="MV Boli"/>
+        <a:font script="Deva" typeface="Mangal"/>
+        <a:font script="Telu" typeface="Gautami"/>
+        <a:font script="Taml" typeface="Latha"/>
+        <a:font script="Syrc" typeface="Estrangelo Edessa"/>
+        <a:font script="Orya" typeface="Kalinga"/>
+        <a:font script="Mlym" typeface="Kartika"/>
+        <a:font script="Laoo" typeface="DokChampa"/>
+        <a:font script="Sinh" typeface="Iskoola Pota"/>
+        <a:font script="Mong" typeface="Mongolian Baiti"/>
+        <a:font script="Viet" typeface="Arial"/>
+        <a:font script="Uigh" typeface="Microsoft Uighur"/>
+        <a:font script="Geor" typeface="Sylfaen"/>
+      </a:minorFont>
+    </a:fontScheme>
+    <a:fmtScheme name="Kancelář">
+      <a:fillStyleLst>
+        <a:solidFill>
+          <a:schemeClr val="phClr"/>
+        </a:solidFill>
+        <a:gradFill rotWithShape="1">
+          <a:gsLst>
+            <a:gs pos="0">
+              <a:schemeClr val="phClr">
+                <a:lumMod val="110000"/>
+                <a:satMod val="105000"/>
+                <a:tint val="67000"/>
+              </a:schemeClr>
+            </a:gs>
+            <a:gs pos="50000">
+              <a:schemeClr val="phClr">
+                <a:lumMod val="105000"/>
+                <a:satMod val="103000"/>
+                <a:tint val="73000"/>
+              </a:schemeClr>
+            </a:gs>
+            <a:gs pos="100000">
+              <a:schemeClr val="phClr">
+                <a:lumMod val="105000"/>
+                <a:satMod val="109000"/>
+                <a:tint val="81000"/>
+              </a:schemeClr>
+            </a:gs>
+          </a:gsLst>
+          <a:lin ang="5400000" scaled="0"/>
+        </a:gradFill>
+        <a:gradFill rotWithShape="1">
+          <a:gsLst>
+            <a:gs pos="0">
+              <a:schemeClr val="phClr">
+                <a:satMod val="103000"/>
+                <a:lumMod val="102000"/>
+                <a:tint val="94000"/>
+              </a:schemeClr>
+            </a:gs>
+            <a:gs pos="50000">
+              <a:schemeClr val="phClr">
+                <a:satMod val="110000"/>
+                <a:lumMod val="100000"/>
+                <a:shade val="100000"/>
+              </a:schemeClr>
+            </a:gs>
+            <a:gs pos="100000">
+              <a:schemeClr val="phClr">
+                <a:lumMod val="99000"/>
+                <a:satMod val="120000"/>
+                <a:shade val="78000"/>
+              </a:schemeClr>
+            </a:gs>
+          </a:gsLst>
+          <a:lin ang="5400000" scaled="0"/>
+        </a:gradFill>
+      </a:fillStyleLst>
+      <a:lnStyleLst>
+        <a:ln w="6350" cap="flat" cmpd="sng" algn="ctr">
+          <a:solidFill>
+            <a:schemeClr val="phClr"/>
+          </a:solidFill>
+          <a:prstDash val="solid"/>
+          <a:miter lim="800000"/>
+        </a:ln>
+        <a:ln w="12700" cap="flat" cmpd="sng" algn="ctr">
+          <a:solidFill>
+            <a:schemeClr val="phClr"/>
+          </a:solidFill>
+          <a:prstDash val="solid"/>
+          <a:miter lim="800000"/>
+        </a:ln>
+        <a:ln w="19050" cap="flat" cmpd="sng" algn="ctr">
+          <a:solidFill>
+            <a:schemeClr val="phClr"/>
+          </a:solidFill>
+          <a:prstDash val="solid"/>
+          <a:miter lim="800000"/>
+        </a:ln>
+      </a:lnStyleLst>
+      <a:effectStyleLst>
+        <a:effectStyle>
+          <a:effectLst/>
+        </a:effectStyle>
+        <a:effectStyle>
+          <a:effectLst/>
+        </a:effectStyle>
+        <a:effectStyle>
+          <a:effectLst>
+            <a:outerShdw blurRad="57150" dist="19050" dir="5400000" algn="ctr" rotWithShape="0">
+              <a:srgbClr val="000000">
+                <a:alpha val="63000"/>
+              </a:srgbClr>
+            </a:outerShdw>
+          </a:effectLst>
+        </a:effectStyle>
+      </a:effectStyleLst>
+      <a:bgFillStyleLst>
+        <a:solidFill>
+          <a:schemeClr val="phClr"/>
+        </a:solidFill>
+        <a:solidFill>
+          <a:schemeClr val="phClr">
+            <a:tint val="95000"/>
+            <a:satMod val="170000"/>
+          </a:schemeClr>
+        </a:solidFill>
+        <a:gradFill rotWithShape="1">
+          <a:gsLst>
+            <a:gs pos="0">
+              <a:schemeClr val="phClr">
+                <a:tint val="93000"/>
+                <a:satMod val="150000"/>
+                <a:shade val="98000"/>
+                <a:lumMod val="102000"/>
+              </a:schemeClr>
+            </a:gs>
+            <a:gs pos="50000">
+              <a:schemeClr val="phClr">
+                <a:tint val="98000"/>
+                <a:satMod val="130000"/>
+                <a:shade val="90000"/>
+                <a:lumMod val="103000"/>
+              </a:schemeClr>
+            </a:gs>
+            <a:gs pos="100000">
+              <a:schemeClr val="phClr">
+                <a:shade val="63000"/>
+                <a:satMod val="120000"/>
+              </a:schemeClr>
+            </a:gs>
+          </a:gsLst>
+          <a:lin ang="5400000" scaled="0"/>
+        </a:gradFill>
+      </a:bgFillStyleLst>
+    </a:fmtScheme>
+  </a:themeElements>
+  <a:objectDefaults/>
+  <a:extraClrSchemeLst/>
+  <a:extLst>
+    <a:ext uri="{05A4C25C-085E-4340-85A3-A5531E510DB2}">
+      <thm15:themeFamily xmlns:thm15="http://schemas.microsoft.com/office/thememl/2012/main" name="Office Theme" id="{62F939B6-93AF-4DB8-9C6B-D6C7DFDC589F}" vid="{4A3C46E8-61CC-4603-A589-7422A47A8E4A}"/>
+    </a:ext>
+  </a:extLst>
+</a:theme>
 </file>